--- a/2015.05.04 freifunk Neu Wulmstorf.pptx
+++ b/2015.05.04 freifunk Neu Wulmstorf.pptx
@@ -713,6 +713,18 @@
   <p:clrMapOvr>
     <a:masterClrMapping/>
   </p:clrMapOvr>
+  <mc:AlternateContent xmlns:mc="http://schemas.openxmlformats.org/markup-compatibility/2006" xmlns:p14="http://schemas.microsoft.com/office/powerpoint/2010/main">
+    <mc:Choice Requires="p14">
+      <p:transition p14:dur="250">
+        <p:fade/>
+      </p:transition>
+    </mc:Choice>
+    <mc:Fallback xmlns="">
+      <p:transition>
+        <p:fade/>
+      </p:transition>
+    </mc:Fallback>
+  </mc:AlternateContent>
 </p:sldLayout>
 </file>
 
@@ -883,6 +895,18 @@
   <p:clrMapOvr>
     <a:masterClrMapping/>
   </p:clrMapOvr>
+  <mc:AlternateContent xmlns:mc="http://schemas.openxmlformats.org/markup-compatibility/2006" xmlns:p14="http://schemas.microsoft.com/office/powerpoint/2010/main">
+    <mc:Choice Requires="p14">
+      <p:transition p14:dur="250">
+        <p:fade/>
+      </p:transition>
+    </mc:Choice>
+    <mc:Fallback xmlns="">
+      <p:transition>
+        <p:fade/>
+      </p:transition>
+    </mc:Fallback>
+  </mc:AlternateContent>
 </p:sldLayout>
 </file>
 
@@ -1063,6 +1087,18 @@
   <p:clrMapOvr>
     <a:masterClrMapping/>
   </p:clrMapOvr>
+  <mc:AlternateContent xmlns:mc="http://schemas.openxmlformats.org/markup-compatibility/2006" xmlns:p14="http://schemas.microsoft.com/office/powerpoint/2010/main">
+    <mc:Choice Requires="p14">
+      <p:transition p14:dur="250">
+        <p:fade/>
+      </p:transition>
+    </mc:Choice>
+    <mc:Fallback xmlns="">
+      <p:transition>
+        <p:fade/>
+      </p:transition>
+    </mc:Fallback>
+  </mc:AlternateContent>
 </p:sldLayout>
 </file>
 
@@ -1269,6 +1305,18 @@
   <p:clrMapOvr>
     <a:masterClrMapping/>
   </p:clrMapOvr>
+  <mc:AlternateContent xmlns:mc="http://schemas.openxmlformats.org/markup-compatibility/2006" xmlns:p14="http://schemas.microsoft.com/office/powerpoint/2010/main">
+    <mc:Choice Requires="p14">
+      <p:transition p14:dur="250">
+        <p:fade/>
+      </p:transition>
+    </mc:Choice>
+    <mc:Fallback xmlns="">
+      <p:transition>
+        <p:fade/>
+      </p:transition>
+    </mc:Fallback>
+  </mc:AlternateContent>
 </p:sldLayout>
 </file>
 
@@ -1545,6 +1593,18 @@
   <p:clrMapOvr>
     <a:masterClrMapping/>
   </p:clrMapOvr>
+  <mc:AlternateContent xmlns:mc="http://schemas.openxmlformats.org/markup-compatibility/2006" xmlns:p14="http://schemas.microsoft.com/office/powerpoint/2010/main">
+    <mc:Choice Requires="p14">
+      <p:transition p14:dur="250">
+        <p:fade/>
+      </p:transition>
+    </mc:Choice>
+    <mc:Fallback xmlns="">
+      <p:transition>
+        <p:fade/>
+      </p:transition>
+    </mc:Fallback>
+  </mc:AlternateContent>
 </p:sldLayout>
 </file>
 
@@ -1863,6 +1923,18 @@
   <p:clrMapOvr>
     <a:masterClrMapping/>
   </p:clrMapOvr>
+  <mc:AlternateContent xmlns:mc="http://schemas.openxmlformats.org/markup-compatibility/2006" xmlns:p14="http://schemas.microsoft.com/office/powerpoint/2010/main">
+    <mc:Choice Requires="p14">
+      <p:transition p14:dur="250">
+        <p:fade/>
+      </p:transition>
+    </mc:Choice>
+    <mc:Fallback xmlns="">
+      <p:transition>
+        <p:fade/>
+      </p:transition>
+    </mc:Fallback>
+  </mc:AlternateContent>
 </p:sldLayout>
 </file>
 
@@ -2316,6 +2388,18 @@
   <p:clrMapOvr>
     <a:masterClrMapping/>
   </p:clrMapOvr>
+  <mc:AlternateContent xmlns:mc="http://schemas.openxmlformats.org/markup-compatibility/2006" xmlns:p14="http://schemas.microsoft.com/office/powerpoint/2010/main">
+    <mc:Choice Requires="p14">
+      <p:transition p14:dur="250">
+        <p:fade/>
+      </p:transition>
+    </mc:Choice>
+    <mc:Fallback xmlns="">
+      <p:transition>
+        <p:fade/>
+      </p:transition>
+    </mc:Fallback>
+  </mc:AlternateContent>
 </p:sldLayout>
 </file>
 
@@ -2434,6 +2518,18 @@
   <p:clrMapOvr>
     <a:masterClrMapping/>
   </p:clrMapOvr>
+  <mc:AlternateContent xmlns:mc="http://schemas.openxmlformats.org/markup-compatibility/2006" xmlns:p14="http://schemas.microsoft.com/office/powerpoint/2010/main">
+    <mc:Choice Requires="p14">
+      <p:transition p14:dur="250">
+        <p:fade/>
+      </p:transition>
+    </mc:Choice>
+    <mc:Fallback xmlns="">
+      <p:transition>
+        <p:fade/>
+      </p:transition>
+    </mc:Fallback>
+  </mc:AlternateContent>
 </p:sldLayout>
 </file>
 
@@ -2529,6 +2625,18 @@
   <p:clrMapOvr>
     <a:masterClrMapping/>
   </p:clrMapOvr>
+  <mc:AlternateContent xmlns:mc="http://schemas.openxmlformats.org/markup-compatibility/2006" xmlns:p14="http://schemas.microsoft.com/office/powerpoint/2010/main">
+    <mc:Choice Requires="p14">
+      <p:transition p14:dur="250">
+        <p:fade/>
+      </p:transition>
+    </mc:Choice>
+    <mc:Fallback xmlns="">
+      <p:transition>
+        <p:fade/>
+      </p:transition>
+    </mc:Fallback>
+  </mc:AlternateContent>
 </p:sldLayout>
 </file>
 
@@ -2826,6 +2934,18 @@
   <p:clrMapOvr>
     <a:masterClrMapping/>
   </p:clrMapOvr>
+  <mc:AlternateContent xmlns:mc="http://schemas.openxmlformats.org/markup-compatibility/2006" xmlns:p14="http://schemas.microsoft.com/office/powerpoint/2010/main">
+    <mc:Choice Requires="p14">
+      <p:transition p14:dur="250">
+        <p:fade/>
+      </p:transition>
+    </mc:Choice>
+    <mc:Fallback xmlns="">
+      <p:transition>
+        <p:fade/>
+      </p:transition>
+    </mc:Fallback>
+  </mc:AlternateContent>
 </p:sldLayout>
 </file>
 
@@ -3079,6 +3199,18 @@
   <p:clrMapOvr>
     <a:masterClrMapping/>
   </p:clrMapOvr>
+  <mc:AlternateContent xmlns:mc="http://schemas.openxmlformats.org/markup-compatibility/2006" xmlns:p14="http://schemas.microsoft.com/office/powerpoint/2010/main">
+    <mc:Choice Requires="p14">
+      <p:transition p14:dur="250">
+        <p:fade/>
+      </p:transition>
+    </mc:Choice>
+    <mc:Fallback xmlns="">
+      <p:transition>
+        <p:fade/>
+      </p:transition>
+    </mc:Fallback>
+  </mc:AlternateContent>
 </p:sldLayout>
 </file>
 
@@ -3378,6 +3510,18 @@
     <p:sldLayoutId id="2147483658" r:id="rId10"/>
     <p:sldLayoutId id="2147483659" r:id="rId11"/>
   </p:sldLayoutIdLst>
+  <mc:AlternateContent xmlns:mc="http://schemas.openxmlformats.org/markup-compatibility/2006" xmlns:p14="http://schemas.microsoft.com/office/powerpoint/2010/main">
+    <mc:Choice Requires="p14">
+      <p:transition p14:dur="250">
+        <p:fade/>
+      </p:transition>
+    </mc:Choice>
+    <mc:Fallback xmlns="">
+      <p:transition>
+        <p:fade/>
+      </p:transition>
+    </mc:Fallback>
+  </mc:AlternateContent>
   <p:hf sldNum="0" hdr="0" ftr="0"/>
   <p:txStyles>
     <p:titleStyle>
@@ -3696,7 +3840,7 @@
           <a:p>
             <a:r>
               <a:rPr lang="de-DE" dirty="0" err="1" smtClean="0"/>
-              <a:t>freifunk</a:t>
+              <a:t>Freifunk</a:t>
             </a:r>
             <a:r>
               <a:rPr lang="de-DE" dirty="0" smtClean="0"/>
@@ -3767,6 +3911,18 @@
   <p:clrMapOvr>
     <a:masterClrMapping/>
   </p:clrMapOvr>
+  <mc:AlternateContent xmlns:mc="http://schemas.openxmlformats.org/markup-compatibility/2006" xmlns:p14="http://schemas.microsoft.com/office/powerpoint/2010/main">
+    <mc:Choice Requires="p14">
+      <p:transition p14:dur="250">
+        <p:fade/>
+      </p:transition>
+    </mc:Choice>
+    <mc:Fallback xmlns="">
+      <p:transition>
+        <p:fade/>
+      </p:transition>
+    </mc:Fallback>
+  </mc:AlternateContent>
   <p:timing>
     <p:tnLst>
       <p:par>
@@ -3919,9 +4075,18 @@
   <p:clrMapOvr>
     <a:masterClrMapping/>
   </p:clrMapOvr>
-  <p:transition>
-    <p:cut/>
-  </p:transition>
+  <mc:AlternateContent xmlns:mc="http://schemas.openxmlformats.org/markup-compatibility/2006" xmlns:p14="http://schemas.microsoft.com/office/powerpoint/2010/main">
+    <mc:Choice Requires="p14">
+      <p:transition p14:dur="250">
+        <p:fade/>
+      </p:transition>
+    </mc:Choice>
+    <mc:Fallback xmlns="">
+      <p:transition>
+        <p:fade/>
+      </p:transition>
+    </mc:Fallback>
+  </mc:AlternateContent>
   <p:timing>
     <p:tnLst>
       <p:par>
@@ -3988,39 +4153,75 @@
           <a:lstStyle/>
           <a:p>
             <a:r>
-              <a:rPr lang="de-DE" smtClean="0"/>
-              <a:t>Von Neelie Kroes bis Alexander Dobrindt, alle fordern freies Internet - wir machen es.</a:t>
+              <a:rPr lang="de-DE" dirty="0" smtClean="0"/>
+              <a:t>Von </a:t>
+            </a:r>
+            <a:r>
+              <a:rPr lang="de-DE" dirty="0" err="1" smtClean="0"/>
+              <a:t>Neelie</a:t>
+            </a:r>
+            <a:r>
+              <a:rPr lang="de-DE" dirty="0" smtClean="0"/>
+              <a:t> </a:t>
+            </a:r>
+            <a:r>
+              <a:rPr lang="de-DE" dirty="0" err="1" smtClean="0"/>
+              <a:t>Kroes</a:t>
+            </a:r>
+            <a:r>
+              <a:rPr lang="de-DE" dirty="0" smtClean="0"/>
+              <a:t> bis Alexander </a:t>
+            </a:r>
+            <a:r>
+              <a:rPr lang="de-DE" dirty="0" err="1" smtClean="0"/>
+              <a:t>Dobrindt</a:t>
+            </a:r>
+            <a:r>
+              <a:rPr lang="de-DE" dirty="0" smtClean="0"/>
+              <a:t>, alle fordern freies Internet - wir machen es.</a:t>
             </a:r>
           </a:p>
           <a:p>
             <a:r>
-              <a:rPr lang="de-DE" smtClean="0"/>
+              <a:rPr lang="de-DE" dirty="0" smtClean="0"/>
               <a:t>MABB hat gerade eine 46-seitige </a:t>
             </a:r>
             <a:r>
-              <a:rPr lang="de-DE" smtClean="0">
+              <a:rPr lang="de-DE" dirty="0" smtClean="0">
                 <a:hlinkClick r:id="rId2"/>
               </a:rPr>
               <a:t>Broschüre</a:t>
             </a:r>
             <a:r>
-              <a:rPr lang="de-DE" smtClean="0"/>
+              <a:rPr lang="de-DE" dirty="0" smtClean="0"/>
               <a:t> </a:t>
             </a:r>
             <a:r>
-              <a:rPr lang="de-DE" smtClean="0">
+              <a:rPr lang="de-DE" dirty="0" smtClean="0">
                 <a:hlinkClick r:id="rId2"/>
               </a:rPr>
-              <a:t>über freifunk </a:t>
+              <a:t>über </a:t>
             </a:r>
             <a:r>
-              <a:rPr lang="de-DE" smtClean="0"/>
-              <a:t>herausgegeben Überweltigende Medienrezeption unter</a:t>
+              <a:rPr lang="de-DE" dirty="0" err="1" smtClean="0">
+                <a:hlinkClick r:id="rId2"/>
+              </a:rPr>
+              <a:t>freifunk</a:t>
+            </a:r>
+            <a:r>
+              <a:rPr lang="de-DE" dirty="0" smtClean="0">
+                <a:hlinkClick r:id="rId2"/>
+              </a:rPr>
+              <a:t> </a:t>
+            </a:r>
+            <a:r>
+              <a:rPr lang="de-DE" dirty="0" smtClean="0"/>
+              <a:t>herausgegeben überwältigende Medienrezeption unter</a:t>
             </a:r>
           </a:p>
           <a:p>
             <a:r>
-              <a:rPr lang="de-DE" smtClean="0">
+              <a:rPr lang="de-DE" dirty="0" smtClean="0">
                 <a:hlinkClick r:id="rId3"/>
               </a:rPr>
               <a:t>http://wiki.freifunk.net/Medienspiegel</a:t>
@@ -4070,9 +4271,18 @@
   <p:clrMapOvr>
     <a:masterClrMapping/>
   </p:clrMapOvr>
-  <p:transition>
-    <p:cut/>
-  </p:transition>
+  <mc:AlternateContent xmlns:mc="http://schemas.openxmlformats.org/markup-compatibility/2006" xmlns:p14="http://schemas.microsoft.com/office/powerpoint/2010/main">
+    <mc:Choice Requires="p14">
+      <p:transition p14:dur="250">
+        <p:fade/>
+      </p:transition>
+    </mc:Choice>
+    <mc:Fallback xmlns="">
+      <p:transition>
+        <p:fade/>
+      </p:transition>
+    </mc:Fallback>
+  </mc:AlternateContent>
   <p:timing>
     <p:tnLst>
       <p:par>
@@ -4217,9 +4427,18 @@
   <p:clrMapOvr>
     <a:masterClrMapping/>
   </p:clrMapOvr>
-  <p:transition>
-    <p:cut/>
-  </p:transition>
+  <mc:AlternateContent xmlns:mc="http://schemas.openxmlformats.org/markup-compatibility/2006" xmlns:p14="http://schemas.microsoft.com/office/powerpoint/2010/main">
+    <mc:Choice Requires="p14">
+      <p:transition p14:dur="250">
+        <p:fade/>
+      </p:transition>
+    </mc:Choice>
+    <mc:Fallback xmlns="">
+      <p:transition>
+        <p:fade/>
+      </p:transition>
+    </mc:Fallback>
+  </mc:AlternateContent>
   <p:timing>
     <p:tnLst>
       <p:par>
@@ -4396,9 +4615,18 @@
   <p:clrMapOvr>
     <a:masterClrMapping/>
   </p:clrMapOvr>
-  <p:transition>
-    <p:cut/>
-  </p:transition>
+  <mc:AlternateContent xmlns:mc="http://schemas.openxmlformats.org/markup-compatibility/2006" xmlns:p14="http://schemas.microsoft.com/office/powerpoint/2010/main">
+    <mc:Choice Requires="p14">
+      <p:transition p14:dur="250">
+        <p:fade/>
+      </p:transition>
+    </mc:Choice>
+    <mc:Fallback xmlns="">
+      <p:transition>
+        <p:fade/>
+      </p:transition>
+    </mc:Fallback>
+  </mc:AlternateContent>
   <p:timing>
     <p:tnLst>
       <p:par>
@@ -4616,9 +4844,18 @@
   <p:clrMapOvr>
     <a:masterClrMapping/>
   </p:clrMapOvr>
-  <p:transition>
-    <p:cut/>
-  </p:transition>
+  <mc:AlternateContent xmlns:mc="http://schemas.openxmlformats.org/markup-compatibility/2006" xmlns:p14="http://schemas.microsoft.com/office/powerpoint/2010/main">
+    <mc:Choice Requires="p14">
+      <p:transition p14:dur="250">
+        <p:fade/>
+      </p:transition>
+    </mc:Choice>
+    <mc:Fallback xmlns="">
+      <p:transition>
+        <p:fade/>
+      </p:transition>
+    </mc:Fallback>
+  </mc:AlternateContent>
   <p:timing>
     <p:tnLst>
       <p:par>
@@ -4662,8 +4899,24 @@
           <a:lstStyle/>
           <a:p>
             <a:r>
-              <a:rPr lang="en-US" smtClean="0"/>
-              <a:t>Was ist freifunk?</a:t>
+              <a:rPr lang="en-US" dirty="0" smtClean="0"/>
+              <a:t>Was </a:t>
+            </a:r>
+            <a:r>
+              <a:rPr lang="en-US" dirty="0" err="1" smtClean="0"/>
+              <a:t>ist</a:t>
+            </a:r>
+            <a:r>
+              <a:rPr lang="en-US" dirty="0" smtClean="0"/>
+              <a:t> </a:t>
+            </a:r>
+            <a:r>
+              <a:rPr lang="en-US" dirty="0" err="1" smtClean="0"/>
+              <a:t>Freifunk</a:t>
+            </a:r>
+            <a:r>
+              <a:rPr lang="en-US" dirty="0" smtClean="0"/>
+              <a:t>?</a:t>
             </a:r>
             <a:endParaRPr lang="en-US" dirty="0"/>
           </a:p>
@@ -4756,13 +5009,339 @@
   <p:clrMapOvr>
     <a:masterClrMapping/>
   </p:clrMapOvr>
-  <p:transition>
-    <p:cut/>
-  </p:transition>
+  <mc:AlternateContent xmlns:mc="http://schemas.openxmlformats.org/markup-compatibility/2006" xmlns:p14="http://schemas.microsoft.com/office/powerpoint/2010/main">
+    <mc:Choice Requires="p14">
+      <p:transition p14:dur="250">
+        <p:fade/>
+      </p:transition>
+    </mc:Choice>
+    <mc:Fallback xmlns="">
+      <p:transition>
+        <p:fade/>
+      </p:transition>
+    </mc:Fallback>
+  </mc:AlternateContent>
   <p:timing>
     <p:tnLst>
       <p:par>
-        <p:cTn id="1" dur="indefinite" restart="never" nodeType="tmRoot"/>
+        <p:cTn id="1" dur="indefinite" restart="never" nodeType="tmRoot">
+          <p:childTnLst>
+            <p:seq concurrent="1" nextAc="seek">
+              <p:cTn id="2" dur="indefinite" nodeType="mainSeq">
+                <p:childTnLst>
+                  <p:par>
+                    <p:cTn id="3" fill="hold">
+                      <p:stCondLst>
+                        <p:cond delay="indefinite"/>
+                      </p:stCondLst>
+                      <p:childTnLst>
+                        <p:par>
+                          <p:cTn id="4" fill="hold">
+                            <p:stCondLst>
+                              <p:cond delay="0"/>
+                            </p:stCondLst>
+                            <p:childTnLst>
+                              <p:par>
+                                <p:cTn id="5" presetID="1" presetClass="entr" presetSubtype="0" fill="hold" nodeType="clickEffect">
+                                  <p:stCondLst>
+                                    <p:cond delay="0"/>
+                                  </p:stCondLst>
+                                  <p:childTnLst>
+                                    <p:set>
+                                      <p:cBhvr>
+                                        <p:cTn id="6" dur="1" fill="hold">
+                                          <p:stCondLst>
+                                            <p:cond delay="0"/>
+                                          </p:stCondLst>
+                                        </p:cTn>
+                                        <p:tgtEl>
+                                          <p:spTgt spid="33">
+                                            <p:txEl>
+                                              <p:pRg st="0" end="0"/>
+                                            </p:txEl>
+                                          </p:spTgt>
+                                        </p:tgtEl>
+                                        <p:attrNameLst>
+                                          <p:attrName>style.visibility</p:attrName>
+                                        </p:attrNameLst>
+                                      </p:cBhvr>
+                                      <p:to>
+                                        <p:strVal val="visible"/>
+                                      </p:to>
+                                    </p:set>
+                                  </p:childTnLst>
+                                </p:cTn>
+                              </p:par>
+                            </p:childTnLst>
+                          </p:cTn>
+                        </p:par>
+                      </p:childTnLst>
+                    </p:cTn>
+                  </p:par>
+                  <p:par>
+                    <p:cTn id="7" fill="hold">
+                      <p:stCondLst>
+                        <p:cond delay="indefinite"/>
+                      </p:stCondLst>
+                      <p:childTnLst>
+                        <p:par>
+                          <p:cTn id="8" fill="hold">
+                            <p:stCondLst>
+                              <p:cond delay="0"/>
+                            </p:stCondLst>
+                            <p:childTnLst>
+                              <p:par>
+                                <p:cTn id="9" presetID="1" presetClass="entr" presetSubtype="0" fill="hold" nodeType="clickEffect">
+                                  <p:stCondLst>
+                                    <p:cond delay="0"/>
+                                  </p:stCondLst>
+                                  <p:childTnLst>
+                                    <p:set>
+                                      <p:cBhvr>
+                                        <p:cTn id="10" dur="1" fill="hold">
+                                          <p:stCondLst>
+                                            <p:cond delay="0"/>
+                                          </p:stCondLst>
+                                        </p:cTn>
+                                        <p:tgtEl>
+                                          <p:spTgt spid="33">
+                                            <p:txEl>
+                                              <p:pRg st="1" end="1"/>
+                                            </p:txEl>
+                                          </p:spTgt>
+                                        </p:tgtEl>
+                                        <p:attrNameLst>
+                                          <p:attrName>style.visibility</p:attrName>
+                                        </p:attrNameLst>
+                                      </p:cBhvr>
+                                      <p:to>
+                                        <p:strVal val="visible"/>
+                                      </p:to>
+                                    </p:set>
+                                  </p:childTnLst>
+                                </p:cTn>
+                              </p:par>
+                            </p:childTnLst>
+                          </p:cTn>
+                        </p:par>
+                      </p:childTnLst>
+                    </p:cTn>
+                  </p:par>
+                  <p:par>
+                    <p:cTn id="11" fill="hold">
+                      <p:stCondLst>
+                        <p:cond delay="indefinite"/>
+                      </p:stCondLst>
+                      <p:childTnLst>
+                        <p:par>
+                          <p:cTn id="12" fill="hold">
+                            <p:stCondLst>
+                              <p:cond delay="0"/>
+                            </p:stCondLst>
+                            <p:childTnLst>
+                              <p:par>
+                                <p:cTn id="13" presetID="1" presetClass="entr" presetSubtype="0" fill="hold" nodeType="clickEffect">
+                                  <p:stCondLst>
+                                    <p:cond delay="0"/>
+                                  </p:stCondLst>
+                                  <p:childTnLst>
+                                    <p:set>
+                                      <p:cBhvr>
+                                        <p:cTn id="14" dur="1" fill="hold">
+                                          <p:stCondLst>
+                                            <p:cond delay="0"/>
+                                          </p:stCondLst>
+                                        </p:cTn>
+                                        <p:tgtEl>
+                                          <p:spTgt spid="33">
+                                            <p:txEl>
+                                              <p:pRg st="2" end="2"/>
+                                            </p:txEl>
+                                          </p:spTgt>
+                                        </p:tgtEl>
+                                        <p:attrNameLst>
+                                          <p:attrName>style.visibility</p:attrName>
+                                        </p:attrNameLst>
+                                      </p:cBhvr>
+                                      <p:to>
+                                        <p:strVal val="visible"/>
+                                      </p:to>
+                                    </p:set>
+                                  </p:childTnLst>
+                                </p:cTn>
+                              </p:par>
+                            </p:childTnLst>
+                          </p:cTn>
+                        </p:par>
+                      </p:childTnLst>
+                    </p:cTn>
+                  </p:par>
+                  <p:par>
+                    <p:cTn id="15" fill="hold">
+                      <p:stCondLst>
+                        <p:cond delay="indefinite"/>
+                      </p:stCondLst>
+                      <p:childTnLst>
+                        <p:par>
+                          <p:cTn id="16" fill="hold">
+                            <p:stCondLst>
+                              <p:cond delay="0"/>
+                            </p:stCondLst>
+                            <p:childTnLst>
+                              <p:par>
+                                <p:cTn id="17" presetID="1" presetClass="entr" presetSubtype="0" fill="hold" nodeType="clickEffect">
+                                  <p:stCondLst>
+                                    <p:cond delay="0"/>
+                                  </p:stCondLst>
+                                  <p:childTnLst>
+                                    <p:set>
+                                      <p:cBhvr>
+                                        <p:cTn id="18" dur="1" fill="hold">
+                                          <p:stCondLst>
+                                            <p:cond delay="0"/>
+                                          </p:stCondLst>
+                                        </p:cTn>
+                                        <p:tgtEl>
+                                          <p:spTgt spid="33">
+                                            <p:txEl>
+                                              <p:pRg st="3" end="3"/>
+                                            </p:txEl>
+                                          </p:spTgt>
+                                        </p:tgtEl>
+                                        <p:attrNameLst>
+                                          <p:attrName>style.visibility</p:attrName>
+                                        </p:attrNameLst>
+                                      </p:cBhvr>
+                                      <p:to>
+                                        <p:strVal val="visible"/>
+                                      </p:to>
+                                    </p:set>
+                                  </p:childTnLst>
+                                </p:cTn>
+                              </p:par>
+                            </p:childTnLst>
+                          </p:cTn>
+                        </p:par>
+                      </p:childTnLst>
+                    </p:cTn>
+                  </p:par>
+                  <p:par>
+                    <p:cTn id="19" fill="hold">
+                      <p:stCondLst>
+                        <p:cond delay="indefinite"/>
+                      </p:stCondLst>
+                      <p:childTnLst>
+                        <p:par>
+                          <p:cTn id="20" fill="hold">
+                            <p:stCondLst>
+                              <p:cond delay="0"/>
+                            </p:stCondLst>
+                            <p:childTnLst>
+                              <p:par>
+                                <p:cTn id="21" presetID="1" presetClass="entr" presetSubtype="0" fill="hold" nodeType="clickEffect">
+                                  <p:stCondLst>
+                                    <p:cond delay="0"/>
+                                  </p:stCondLst>
+                                  <p:childTnLst>
+                                    <p:set>
+                                      <p:cBhvr>
+                                        <p:cTn id="22" dur="1" fill="hold">
+                                          <p:stCondLst>
+                                            <p:cond delay="0"/>
+                                          </p:stCondLst>
+                                        </p:cTn>
+                                        <p:tgtEl>
+                                          <p:spTgt spid="33">
+                                            <p:txEl>
+                                              <p:pRg st="4" end="4"/>
+                                            </p:txEl>
+                                          </p:spTgt>
+                                        </p:tgtEl>
+                                        <p:attrNameLst>
+                                          <p:attrName>style.visibility</p:attrName>
+                                        </p:attrNameLst>
+                                      </p:cBhvr>
+                                      <p:to>
+                                        <p:strVal val="visible"/>
+                                      </p:to>
+                                    </p:set>
+                                  </p:childTnLst>
+                                </p:cTn>
+                              </p:par>
+                            </p:childTnLst>
+                          </p:cTn>
+                        </p:par>
+                      </p:childTnLst>
+                    </p:cTn>
+                  </p:par>
+                  <p:par>
+                    <p:cTn id="23" fill="hold">
+                      <p:stCondLst>
+                        <p:cond delay="indefinite"/>
+                      </p:stCondLst>
+                      <p:childTnLst>
+                        <p:par>
+                          <p:cTn id="24" fill="hold">
+                            <p:stCondLst>
+                              <p:cond delay="0"/>
+                            </p:stCondLst>
+                            <p:childTnLst>
+                              <p:par>
+                                <p:cTn id="25" presetID="1" presetClass="entr" presetSubtype="0" fill="hold" nodeType="clickEffect">
+                                  <p:stCondLst>
+                                    <p:cond delay="0"/>
+                                  </p:stCondLst>
+                                  <p:childTnLst>
+                                    <p:set>
+                                      <p:cBhvr>
+                                        <p:cTn id="26" dur="1" fill="hold">
+                                          <p:stCondLst>
+                                            <p:cond delay="0"/>
+                                          </p:stCondLst>
+                                        </p:cTn>
+                                        <p:tgtEl>
+                                          <p:spTgt spid="33">
+                                            <p:txEl>
+                                              <p:pRg st="5" end="5"/>
+                                            </p:txEl>
+                                          </p:spTgt>
+                                        </p:tgtEl>
+                                        <p:attrNameLst>
+                                          <p:attrName>style.visibility</p:attrName>
+                                        </p:attrNameLst>
+                                      </p:cBhvr>
+                                      <p:to>
+                                        <p:strVal val="visible"/>
+                                      </p:to>
+                                    </p:set>
+                                  </p:childTnLst>
+                                </p:cTn>
+                              </p:par>
+                            </p:childTnLst>
+                          </p:cTn>
+                        </p:par>
+                      </p:childTnLst>
+                    </p:cTn>
+                  </p:par>
+                </p:childTnLst>
+              </p:cTn>
+              <p:prevCondLst>
+                <p:cond evt="onPrev" delay="0">
+                  <p:tgtEl>
+                    <p:sldTgt/>
+                  </p:tgtEl>
+                </p:cond>
+              </p:prevCondLst>
+              <p:nextCondLst>
+                <p:cond evt="onNext" delay="0">
+                  <p:tgtEl>
+                    <p:sldTgt/>
+                  </p:tgtEl>
+                </p:cond>
+              </p:nextCondLst>
+            </p:seq>
+          </p:childTnLst>
+        </p:cTn>
       </p:par>
     </p:tnLst>
   </p:timing>
@@ -4959,9 +5538,18 @@
   <p:clrMapOvr>
     <a:masterClrMapping/>
   </p:clrMapOvr>
-  <p:transition>
-    <p:cut/>
-  </p:transition>
+  <mc:AlternateContent xmlns:mc="http://schemas.openxmlformats.org/markup-compatibility/2006" xmlns:p14="http://schemas.microsoft.com/office/powerpoint/2010/main">
+    <mc:Choice Requires="p14">
+      <p:transition p14:dur="250">
+        <p:fade/>
+      </p:transition>
+    </mc:Choice>
+    <mc:Fallback xmlns="">
+      <p:transition>
+        <p:fade/>
+      </p:transition>
+    </mc:Fallback>
+  </mc:AlternateContent>
   <p:timing>
     <p:tnLst>
       <p:par>
@@ -5208,9 +5796,18 @@
   <p:clrMapOvr>
     <a:masterClrMapping/>
   </p:clrMapOvr>
-  <p:transition>
-    <p:cut/>
-  </p:transition>
+  <mc:AlternateContent xmlns:mc="http://schemas.openxmlformats.org/markup-compatibility/2006" xmlns:p14="http://schemas.microsoft.com/office/powerpoint/2010/main">
+    <mc:Choice Requires="p14">
+      <p:transition p14:dur="250">
+        <p:fade/>
+      </p:transition>
+    </mc:Choice>
+    <mc:Fallback xmlns="">
+      <p:transition>
+        <p:fade/>
+      </p:transition>
+    </mc:Fallback>
+  </mc:AlternateContent>
   <p:timing>
     <p:tnLst>
       <p:par>
@@ -5327,9 +5924,18 @@
   <p:clrMapOvr>
     <a:masterClrMapping/>
   </p:clrMapOvr>
-  <p:transition>
-    <p:cut/>
-  </p:transition>
+  <mc:AlternateContent xmlns:mc="http://schemas.openxmlformats.org/markup-compatibility/2006" xmlns:p14="http://schemas.microsoft.com/office/powerpoint/2010/main">
+    <mc:Choice Requires="p14">
+      <p:transition p14:dur="250">
+        <p:fade/>
+      </p:transition>
+    </mc:Choice>
+    <mc:Fallback xmlns="">
+      <p:transition>
+        <p:fade/>
+      </p:transition>
+    </mc:Fallback>
+  </mc:AlternateContent>
   <p:timing>
     <p:tnLst>
       <p:par>
@@ -21378,6 +21984,18 @@
   <p:clrMapOvr>
     <a:masterClrMapping/>
   </p:clrMapOvr>
+  <mc:AlternateContent xmlns:mc="http://schemas.openxmlformats.org/markup-compatibility/2006" xmlns:p14="http://schemas.microsoft.com/office/powerpoint/2010/main">
+    <mc:Choice Requires="p14">
+      <p:transition p14:dur="250">
+        <p:fade/>
+      </p:transition>
+    </mc:Choice>
+    <mc:Fallback xmlns="">
+      <p:transition>
+        <p:fade/>
+      </p:transition>
+    </mc:Fallback>
+  </mc:AlternateContent>
   <p:timing>
     <p:tnLst>
       <p:par>
@@ -21741,13 +22359,192 @@
   <p:clrMapOvr>
     <a:masterClrMapping/>
   </p:clrMapOvr>
-  <p:transition>
-    <p:cut/>
-  </p:transition>
+  <mc:AlternateContent xmlns:mc="http://schemas.openxmlformats.org/markup-compatibility/2006" xmlns:p14="http://schemas.microsoft.com/office/powerpoint/2010/main">
+    <mc:Choice Requires="p14">
+      <p:transition p14:dur="250">
+        <p:fade/>
+      </p:transition>
+    </mc:Choice>
+    <mc:Fallback xmlns="">
+      <p:transition>
+        <p:fade/>
+      </p:transition>
+    </mc:Fallback>
+  </mc:AlternateContent>
   <p:timing>
     <p:tnLst>
       <p:par>
-        <p:cTn id="1" dur="indefinite" restart="never" nodeType="tmRoot"/>
+        <p:cTn id="1" dur="indefinite" restart="never" nodeType="tmRoot">
+          <p:childTnLst>
+            <p:seq concurrent="1" nextAc="seek">
+              <p:cTn id="2" dur="indefinite" nodeType="mainSeq">
+                <p:childTnLst>
+                  <p:par>
+                    <p:cTn id="3" fill="hold">
+                      <p:stCondLst>
+                        <p:cond delay="indefinite"/>
+                      </p:stCondLst>
+                      <p:childTnLst>
+                        <p:par>
+                          <p:cTn id="4" fill="hold">
+                            <p:stCondLst>
+                              <p:cond delay="0"/>
+                            </p:stCondLst>
+                            <p:childTnLst>
+                              <p:par>
+                                <p:cTn id="5" presetID="1" presetClass="entr" presetSubtype="0" fill="hold" nodeType="clickEffect">
+                                  <p:stCondLst>
+                                    <p:cond delay="0"/>
+                                  </p:stCondLst>
+                                  <p:childTnLst>
+                                    <p:set>
+                                      <p:cBhvr>
+                                        <p:cTn id="6" dur="1" fill="hold">
+                                          <p:stCondLst>
+                                            <p:cond delay="0"/>
+                                          </p:stCondLst>
+                                        </p:cTn>
+                                        <p:tgtEl>
+                                          <p:spTgt spid="18">
+                                            <p:txEl>
+                                              <p:pRg st="0" end="0"/>
+                                            </p:txEl>
+                                          </p:spTgt>
+                                        </p:tgtEl>
+                                        <p:attrNameLst>
+                                          <p:attrName>style.visibility</p:attrName>
+                                        </p:attrNameLst>
+                                      </p:cBhvr>
+                                      <p:to>
+                                        <p:strVal val="visible"/>
+                                      </p:to>
+                                    </p:set>
+                                  </p:childTnLst>
+                                </p:cTn>
+                              </p:par>
+                            </p:childTnLst>
+                          </p:cTn>
+                        </p:par>
+                      </p:childTnLst>
+                    </p:cTn>
+                  </p:par>
+                  <p:par>
+                    <p:cTn id="7" fill="hold">
+                      <p:stCondLst>
+                        <p:cond delay="indefinite"/>
+                      </p:stCondLst>
+                      <p:childTnLst>
+                        <p:par>
+                          <p:cTn id="8" fill="hold">
+                            <p:stCondLst>
+                              <p:cond delay="0"/>
+                            </p:stCondLst>
+                            <p:childTnLst>
+                              <p:par>
+                                <p:cTn id="9" presetID="1" presetClass="entr" presetSubtype="0" fill="hold" nodeType="clickEffect">
+                                  <p:stCondLst>
+                                    <p:cond delay="0"/>
+                                  </p:stCondLst>
+                                  <p:childTnLst>
+                                    <p:set>
+                                      <p:cBhvr>
+                                        <p:cTn id="10" dur="1" fill="hold">
+                                          <p:stCondLst>
+                                            <p:cond delay="0"/>
+                                          </p:stCondLst>
+                                        </p:cTn>
+                                        <p:tgtEl>
+                                          <p:spTgt spid="18">
+                                            <p:txEl>
+                                              <p:pRg st="1" end="1"/>
+                                            </p:txEl>
+                                          </p:spTgt>
+                                        </p:tgtEl>
+                                        <p:attrNameLst>
+                                          <p:attrName>style.visibility</p:attrName>
+                                        </p:attrNameLst>
+                                      </p:cBhvr>
+                                      <p:to>
+                                        <p:strVal val="visible"/>
+                                      </p:to>
+                                    </p:set>
+                                  </p:childTnLst>
+                                </p:cTn>
+                              </p:par>
+                            </p:childTnLst>
+                          </p:cTn>
+                        </p:par>
+                      </p:childTnLst>
+                    </p:cTn>
+                  </p:par>
+                  <p:par>
+                    <p:cTn id="11" fill="hold">
+                      <p:stCondLst>
+                        <p:cond delay="indefinite"/>
+                      </p:stCondLst>
+                      <p:childTnLst>
+                        <p:par>
+                          <p:cTn id="12" fill="hold">
+                            <p:stCondLst>
+                              <p:cond delay="0"/>
+                            </p:stCondLst>
+                            <p:childTnLst>
+                              <p:par>
+                                <p:cTn id="13" presetID="1" presetClass="entr" presetSubtype="0" fill="hold" nodeType="clickEffect">
+                                  <p:stCondLst>
+                                    <p:cond delay="0"/>
+                                  </p:stCondLst>
+                                  <p:childTnLst>
+                                    <p:set>
+                                      <p:cBhvr>
+                                        <p:cTn id="14" dur="1" fill="hold">
+                                          <p:stCondLst>
+                                            <p:cond delay="0"/>
+                                          </p:stCondLst>
+                                        </p:cTn>
+                                        <p:tgtEl>
+                                          <p:spTgt spid="18">
+                                            <p:txEl>
+                                              <p:pRg st="2" end="2"/>
+                                            </p:txEl>
+                                          </p:spTgt>
+                                        </p:tgtEl>
+                                        <p:attrNameLst>
+                                          <p:attrName>style.visibility</p:attrName>
+                                        </p:attrNameLst>
+                                      </p:cBhvr>
+                                      <p:to>
+                                        <p:strVal val="visible"/>
+                                      </p:to>
+                                    </p:set>
+                                  </p:childTnLst>
+                                </p:cTn>
+                              </p:par>
+                            </p:childTnLst>
+                          </p:cTn>
+                        </p:par>
+                      </p:childTnLst>
+                    </p:cTn>
+                  </p:par>
+                </p:childTnLst>
+              </p:cTn>
+              <p:prevCondLst>
+                <p:cond evt="onPrev" delay="0">
+                  <p:tgtEl>
+                    <p:sldTgt/>
+                  </p:tgtEl>
+                </p:cond>
+              </p:prevCondLst>
+              <p:nextCondLst>
+                <p:cond evt="onNext" delay="0">
+                  <p:tgtEl>
+                    <p:sldTgt/>
+                  </p:tgtEl>
+                </p:cond>
+              </p:nextCondLst>
+            </p:seq>
+          </p:childTnLst>
+        </p:cTn>
       </p:par>
     </p:tnLst>
   </p:timing>
@@ -21818,21 +22615,16 @@
           <a:p>
             <a:r>
               <a:rPr lang="de-DE" dirty="0" smtClean="0"/>
-              <a:t>Aller </a:t>
+              <a:t>Internetverkehr </a:t>
             </a:r>
             <a:r>
               <a:rPr lang="de-DE" dirty="0"/>
-              <a:t>Internetverkehr geht durch </a:t>
+              <a:t>geht durch </a:t>
             </a:r>
             <a:r>
               <a:rPr lang="de-DE" dirty="0" smtClean="0"/>
               <a:t>die Gateways</a:t>
             </a:r>
-            <a:r>
-              <a:rPr lang="de-DE" dirty="0"/>
-              <a:t>. </a:t>
-            </a:r>
-            <a:endParaRPr lang="de-DE" dirty="0" smtClean="0"/>
           </a:p>
           <a:p>
             <a:r>
@@ -21841,8 +22633,13 @@
             </a:r>
             <a:r>
               <a:rPr lang="de-DE" dirty="0"/>
-              <a:t>sind nach TMG§8 von Haftung befreit.</a:t>
+              <a:t>sind nach TMG§8 von Haftung </a:t>
             </a:r>
+            <a:r>
+              <a:rPr lang="de-DE" dirty="0" smtClean="0"/>
+              <a:t>befreit</a:t>
+            </a:r>
+            <a:endParaRPr lang="de-DE" dirty="0"/>
           </a:p>
           <a:p>
             <a:r>
@@ -21894,9 +22691,18 @@
   <p:clrMapOvr>
     <a:masterClrMapping/>
   </p:clrMapOvr>
-  <p:transition>
-    <p:cut/>
-  </p:transition>
+  <mc:AlternateContent xmlns:mc="http://schemas.openxmlformats.org/markup-compatibility/2006" xmlns:p14="http://schemas.microsoft.com/office/powerpoint/2010/main">
+    <mc:Choice Requires="p14">
+      <p:transition p14:dur="250">
+        <p:fade/>
+      </p:transition>
+    </mc:Choice>
+    <mc:Fallback xmlns="">
+      <p:transition>
+        <p:fade/>
+      </p:transition>
+    </mc:Fallback>
+  </mc:AlternateContent>
   <p:timing>
     <p:tnLst>
       <p:par>
@@ -22085,9 +22891,18 @@
   <p:clrMapOvr>
     <a:masterClrMapping/>
   </p:clrMapOvr>
-  <p:transition>
-    <p:cut/>
-  </p:transition>
+  <mc:AlternateContent xmlns:mc="http://schemas.openxmlformats.org/markup-compatibility/2006" xmlns:p14="http://schemas.microsoft.com/office/powerpoint/2010/main">
+    <mc:Choice Requires="p14">
+      <p:transition p14:dur="250">
+        <p:fade/>
+      </p:transition>
+    </mc:Choice>
+    <mc:Fallback xmlns="">
+      <p:transition>
+        <p:fade/>
+      </p:transition>
+    </mc:Fallback>
+  </mc:AlternateContent>
   <p:timing>
     <p:tnLst>
       <p:par>
@@ -22101,7 +22916,7 @@
 <file path=ppt/tags/tag1.xml><?xml version="1.0" encoding="utf-8"?>
 <p:tagLst xmlns:a="http://schemas.openxmlformats.org/drawingml/2006/main" xmlns:r="http://schemas.openxmlformats.org/officeDocument/2006/relationships" xmlns:p="http://schemas.openxmlformats.org/presentationml/2006/main">
   <p:tag name="MMPROD_NEXTUNIQUEID" val="10009"/>
-  <p:tag name="MMPROD_UIDATA" val="&lt;database version=&quot;9.0&quot;&gt;&lt;object type=&quot;1&quot; unique_id=&quot;10001&quot;&gt;&lt;object type=&quot;8&quot; unique_id=&quot;1854701&quot;&gt;&lt;/object&gt;&lt;object type=&quot;2&quot; unique_id=&quot;1854702&quot;&gt;&lt;object type=&quot;3&quot; unique_id=&quot;1854703&quot;&gt;&lt;property id=&quot;20148&quot; value=&quot;5&quot;/&gt;&lt;property id=&quot;20300&quot; value=&quot;Slide 1 - &amp;quot;freifunk Neu Wulmstorf&amp;quot;&quot;/&gt;&lt;property id=&quot;20307&quot; value=&quot;256&quot;/&gt;&lt;/object&gt;&lt;object type=&quot;3&quot; unique_id=&quot;1854704&quot;&gt;&lt;property id=&quot;20148&quot; value=&quot;5&quot;/&gt;&lt;property id=&quot;20300&quot; value=&quot;Slide 2 - &amp;quot;Was ist freifunk?&amp;quot;&quot;/&gt;&lt;property id=&quot;20307&quot; value=&quot;258&quot;/&gt;&lt;/object&gt;&lt;object type=&quot;3&quot; unique_id=&quot;1854705&quot;&gt;&lt;property id=&quot;20148&quot; value=&quot;5&quot;/&gt;&lt;property id=&quot;20300&quot; value=&quot;Slide 3 - &amp;quot;Verbreitung&amp;quot;&quot;/&gt;&lt;property id=&quot;20307&quot; value=&quot;259&quot;/&gt;&lt;/object&gt;&lt;object type=&quot;3&quot; unique_id=&quot;1854706&quot;&gt;&lt;property id=&quot;20148&quot; value=&quot;5&quot;/&gt;&lt;property id=&quot;20300&quot; value=&quot;Slide 4 - &amp;quot;Knotenkarte&amp;quot;&quot;/&gt;&lt;property id=&quot;20307&quot; value=&quot;260&quot;/&gt;&lt;/object&gt;&lt;object type=&quot;3&quot; unique_id=&quot;1854707&quot;&gt;&lt;property id=&quot;20148&quot; value=&quot;5&quot;/&gt;&lt;property id=&quot;20300&quot; value=&quot;Slide 5 - &amp;quot;Freifunkknoten&amp;quot;&quot;/&gt;&lt;property id=&quot;20307&quot; value=&quot;261&quot;/&gt;&lt;/object&gt;&lt;object type=&quot;3&quot; unique_id=&quot;1854709&quot;&gt;&lt;property id=&quot;20148&quot; value=&quot;5&quot;/&gt;&lt;property id=&quot;20300&quot; value=&quot;Slide 7 - &amp;quot;Sicherheit&amp;quot;&quot;/&gt;&lt;property id=&quot;20307&quot; value=&quot;263&quot;/&gt;&lt;/object&gt;&lt;object type=&quot;3&quot; unique_id=&quot;1854710&quot;&gt;&lt;property id=&quot;20148&quot; value=&quot;5&quot;/&gt;&lt;property id=&quot;20300&quot; value=&quot;Slide 8 - &amp;quot;Haftung&amp;quot;&quot;/&gt;&lt;property id=&quot;20307&quot; value=&quot;264&quot;/&gt;&lt;/object&gt;&lt;object type=&quot;3&quot; unique_id=&quot;1854711&quot;&gt;&lt;property id=&quot;20148&quot; value=&quot;5&quot;/&gt;&lt;property id=&quot;20300&quot; value=&quot;Slide 9 - &amp;quot;Richtfunknetz&amp;quot;&quot;/&gt;&lt;property id=&quot;20307&quot; value=&quot;265&quot;/&gt;&lt;/object&gt;&lt;object type=&quot;3&quot; unique_id=&quot;1854712&quot;&gt;&lt;property id=&quot;20148&quot; value=&quot;5&quot;/&gt;&lt;property id=&quot;20300&quot; value=&quot;Slide 10 - &amp;quot;Dienste&amp;quot;&quot;/&gt;&lt;property id=&quot;20307&quot; value=&quot;266&quot;/&gt;&lt;/object&gt;&lt;object type=&quot;3&quot; unique_id=&quot;1854713&quot;&gt;&lt;property id=&quot;20148&quot; value=&quot;5&quot;/&gt;&lt;property id=&quot;20300&quot; value=&quot;Slide 11 - &amp;quot;Öffentliche Wahrnehmung&amp;quot;&quot;/&gt;&lt;property id=&quot;20307&quot; value=&quot;267&quot;/&gt;&lt;/object&gt;&lt;object type=&quot;3&quot; unique_id=&quot;1854714&quot;&gt;&lt;property id=&quot;20148&quot; value=&quot;5&quot;/&gt;&lt;property id=&quot;20300&quot; value=&quot;Slide 12 - &amp;quot;Starthilfe aus Hamburg&amp;quot;&quot;/&gt;&lt;property id=&quot;20307&quot; value=&quot;268&quot;/&gt;&lt;/object&gt;&lt;object type=&quot;3&quot; unique_id=&quot;1854715&quot;&gt;&lt;property id=&quot;20148&quot; value=&quot;5&quot;/&gt;&lt;property id=&quot;20300&quot; value=&quot;Slide 13 - &amp;quot;Was bringt Neu Wulmstorf mit?&amp;quot;&quot;/&gt;&lt;property id=&quot;20307&quot; value=&quot;269&quot;/&gt;&lt;/object&gt;&lt;object type=&quot;3&quot; unique_id=&quot;1854716&quot;&gt;&lt;property id=&quot;20148&quot; value=&quot;5&quot;/&gt;&lt;property id=&quot;20300&quot; value=&quot;Slide 14 - &amp;quot;Vielen Dank!&amp;quot;&quot;/&gt;&lt;property id=&quot;20307&quot; value=&quot;270&quot;/&gt;&lt;/object&gt;&lt;object type=&quot;3&quot; unique_id=&quot;1854893&quot;&gt;&lt;property id=&quot;20148&quot; value=&quot;5&quot;/&gt;&lt;property id=&quot;20300&quot; value=&quot;Slide 6 - &amp;quot;Das Netzwerk&amp;quot;&quot;/&gt;&lt;property id=&quot;20307&quot; value=&quot;271&quot;/&gt;&lt;/object&gt;&lt;/object&gt;&lt;/object&gt;&lt;/database&gt;"/>
+  <p:tag name="MMPROD_UIDATA" val="&lt;database version=&quot;9.0&quot;&gt;&lt;object type=&quot;1&quot; unique_id=&quot;10001&quot;&gt;&lt;object type=&quot;8&quot; unique_id=&quot;1854701&quot;&gt;&lt;/object&gt;&lt;object type=&quot;2&quot; unique_id=&quot;1854702&quot;&gt;&lt;object type=&quot;3&quot; unique_id=&quot;1854703&quot;&gt;&lt;property id=&quot;20148&quot; value=&quot;5&quot;/&gt;&lt;property id=&quot;20300&quot; value=&quot;Slide 1 - &amp;quot;Freifunk Neu Wulmstorf&amp;quot;&quot;/&gt;&lt;property id=&quot;20307&quot; value=&quot;256&quot;/&gt;&lt;/object&gt;&lt;object type=&quot;3&quot; unique_id=&quot;1854704&quot;&gt;&lt;property id=&quot;20148&quot; value=&quot;5&quot;/&gt;&lt;property id=&quot;20300&quot; value=&quot;Slide 2 - &amp;quot;Was ist Freifunk?&amp;quot;&quot;/&gt;&lt;property id=&quot;20307&quot; value=&quot;258&quot;/&gt;&lt;/object&gt;&lt;object type=&quot;3&quot; unique_id=&quot;1854705&quot;&gt;&lt;property id=&quot;20148&quot; value=&quot;5&quot;/&gt;&lt;property id=&quot;20300&quot; value=&quot;Slide 3 - &amp;quot;Verbreitung&amp;quot;&quot;/&gt;&lt;property id=&quot;20307&quot; value=&quot;259&quot;/&gt;&lt;/object&gt;&lt;object type=&quot;3&quot; unique_id=&quot;1854706&quot;&gt;&lt;property id=&quot;20148&quot; value=&quot;5&quot;/&gt;&lt;property id=&quot;20300&quot; value=&quot;Slide 4 - &amp;quot;Knotenkarte&amp;quot;&quot;/&gt;&lt;property id=&quot;20307&quot; value=&quot;260&quot;/&gt;&lt;/object&gt;&lt;object type=&quot;3&quot; unique_id=&quot;1854707&quot;&gt;&lt;property id=&quot;20148&quot; value=&quot;5&quot;/&gt;&lt;property id=&quot;20300&quot; value=&quot;Slide 5 - &amp;quot;Freifunkknoten&amp;quot;&quot;/&gt;&lt;property id=&quot;20307&quot; value=&quot;261&quot;/&gt;&lt;/object&gt;&lt;object type=&quot;3&quot; unique_id=&quot;1854709&quot;&gt;&lt;property id=&quot;20148&quot; value=&quot;5&quot;/&gt;&lt;property id=&quot;20300&quot; value=&quot;Slide 7 - &amp;quot;Sicherheit&amp;quot;&quot;/&gt;&lt;property id=&quot;20307&quot; value=&quot;263&quot;/&gt;&lt;/object&gt;&lt;object type=&quot;3&quot; unique_id=&quot;1854710&quot;&gt;&lt;property id=&quot;20148&quot; value=&quot;5&quot;/&gt;&lt;property id=&quot;20300&quot; value=&quot;Slide 8 - &amp;quot;Haftung&amp;quot;&quot;/&gt;&lt;property id=&quot;20307&quot; value=&quot;264&quot;/&gt;&lt;/object&gt;&lt;object type=&quot;3&quot; unique_id=&quot;1854711&quot;&gt;&lt;property id=&quot;20148&quot; value=&quot;5&quot;/&gt;&lt;property id=&quot;20300&quot; value=&quot;Slide 9 - &amp;quot;Richtfunknetz&amp;quot;&quot;/&gt;&lt;property id=&quot;20307&quot; value=&quot;265&quot;/&gt;&lt;/object&gt;&lt;object type=&quot;3&quot; unique_id=&quot;1854712&quot;&gt;&lt;property id=&quot;20148&quot; value=&quot;5&quot;/&gt;&lt;property id=&quot;20300&quot; value=&quot;Slide 10 - &amp;quot;Dienste&amp;quot;&quot;/&gt;&lt;property id=&quot;20307&quot; value=&quot;266&quot;/&gt;&lt;/object&gt;&lt;object type=&quot;3&quot; unique_id=&quot;1854713&quot;&gt;&lt;property id=&quot;20148&quot; value=&quot;5&quot;/&gt;&lt;property id=&quot;20300&quot; value=&quot;Slide 11 - &amp;quot;Öffentliche Wahrnehmung&amp;quot;&quot;/&gt;&lt;property id=&quot;20307&quot; value=&quot;267&quot;/&gt;&lt;/object&gt;&lt;object type=&quot;3&quot; unique_id=&quot;1854714&quot;&gt;&lt;property id=&quot;20148&quot; value=&quot;5&quot;/&gt;&lt;property id=&quot;20300&quot; value=&quot;Slide 12 - &amp;quot;Starthilfe aus Hamburg&amp;quot;&quot;/&gt;&lt;property id=&quot;20307&quot; value=&quot;268&quot;/&gt;&lt;/object&gt;&lt;object type=&quot;3&quot; unique_id=&quot;1854715&quot;&gt;&lt;property id=&quot;20148&quot; value=&quot;5&quot;/&gt;&lt;property id=&quot;20300&quot; value=&quot;Slide 13 - &amp;quot;Was bringt Neu Wulmstorf mit?&amp;quot;&quot;/&gt;&lt;property id=&quot;20307&quot; value=&quot;269&quot;/&gt;&lt;/object&gt;&lt;object type=&quot;3&quot; unique_id=&quot;1854716&quot;&gt;&lt;property id=&quot;20148&quot; value=&quot;5&quot;/&gt;&lt;property id=&quot;20300&quot; value=&quot;Slide 14 - &amp;quot;Vielen Dank!&amp;quot;&quot;/&gt;&lt;property id=&quot;20307&quot; value=&quot;270&quot;/&gt;&lt;/object&gt;&lt;object type=&quot;3&quot; unique_id=&quot;1854893&quot;&gt;&lt;property id=&quot;20148&quot; value=&quot;5&quot;/&gt;&lt;property id=&quot;20300&quot; value=&quot;Slide 6 - &amp;quot;Das Netzwerk&amp;quot;&quot;/&gt;&lt;property id=&quot;20307&quot; value=&quot;271&quot;/&gt;&lt;/object&gt;&lt;/object&gt;&lt;/object&gt;&lt;/database&gt;"/>
   <p:tag name="SECTOMILLISECCONVERTED" val="1"/>
 </p:tagLst>
 </file>
